--- a/MasterChief.pptx
+++ b/MasterChief.pptx
@@ -8,6 +8,7 @@
     <p:sldId id="262" r:id="rId2"/>
     <p:sldId id="259" r:id="rId3"/>
     <p:sldId id="263" r:id="rId4"/>
+    <p:sldId id="264" r:id="rId5"/>
   </p:sldIdLst>
   <p:sldSz cx="12192000" cy="6858000"/>
   <p:notesSz cx="6858000" cy="9144000"/>
@@ -836,7 +837,7 @@
           <a:p>
             <a:fld id="{5BB85EB5-6D2B-413D-89EE-6C045644250E}" type="datetimeFigureOut">
               <a:rPr lang="sv-SE" smtClean="0"/>
-              <a:t>2017-02-22</a:t>
+              <a:t>2017-06-05</a:t>
             </a:fld>
             <a:endParaRPr lang="sv-SE"/>
           </a:p>
@@ -1087,7 +1088,7 @@
           <a:p>
             <a:fld id="{5BB85EB5-6D2B-413D-89EE-6C045644250E}" type="datetimeFigureOut">
               <a:rPr lang="sv-SE" smtClean="0"/>
-              <a:t>2017-02-22</a:t>
+              <a:t>2017-06-05</a:t>
             </a:fld>
             <a:endParaRPr lang="sv-SE"/>
           </a:p>
@@ -1401,7 +1402,7 @@
           <a:p>
             <a:fld id="{5BB85EB5-6D2B-413D-89EE-6C045644250E}" type="datetimeFigureOut">
               <a:rPr lang="sv-SE" smtClean="0"/>
-              <a:t>2017-02-22</a:t>
+              <a:t>2017-06-05</a:t>
             </a:fld>
             <a:endParaRPr lang="sv-SE"/>
           </a:p>
@@ -1742,7 +1743,7 @@
           <a:p>
             <a:fld id="{5BB85EB5-6D2B-413D-89EE-6C045644250E}" type="datetimeFigureOut">
               <a:rPr lang="sv-SE" smtClean="0"/>
-              <a:t>2017-02-22</a:t>
+              <a:t>2017-06-05</a:t>
             </a:fld>
             <a:endParaRPr lang="sv-SE"/>
           </a:p>
@@ -2056,7 +2057,7 @@
           <a:p>
             <a:fld id="{5BB85EB5-6D2B-413D-89EE-6C045644250E}" type="datetimeFigureOut">
               <a:rPr lang="sv-SE" smtClean="0"/>
-              <a:t>2017-02-22</a:t>
+              <a:t>2017-06-05</a:t>
             </a:fld>
             <a:endParaRPr lang="sv-SE"/>
           </a:p>
@@ -2449,7 +2450,7 @@
           <a:p>
             <a:fld id="{5BB85EB5-6D2B-413D-89EE-6C045644250E}" type="datetimeFigureOut">
               <a:rPr lang="sv-SE" smtClean="0"/>
-              <a:t>2017-02-22</a:t>
+              <a:t>2017-06-05</a:t>
             </a:fld>
             <a:endParaRPr lang="sv-SE"/>
           </a:p>
@@ -2619,7 +2620,7 @@
           <a:p>
             <a:fld id="{5BB85EB5-6D2B-413D-89EE-6C045644250E}" type="datetimeFigureOut">
               <a:rPr lang="sv-SE" smtClean="0"/>
-              <a:t>2017-02-22</a:t>
+              <a:t>2017-06-05</a:t>
             </a:fld>
             <a:endParaRPr lang="sv-SE"/>
           </a:p>
@@ -2799,7 +2800,7 @@
           <a:p>
             <a:fld id="{5BB85EB5-6D2B-413D-89EE-6C045644250E}" type="datetimeFigureOut">
               <a:rPr lang="sv-SE" smtClean="0"/>
-              <a:t>2017-02-22</a:t>
+              <a:t>2017-06-05</a:t>
             </a:fld>
             <a:endParaRPr lang="sv-SE"/>
           </a:p>
@@ -2975,7 +2976,7 @@
           <a:p>
             <a:fld id="{5BB85EB5-6D2B-413D-89EE-6C045644250E}" type="datetimeFigureOut">
               <a:rPr lang="sv-SE" smtClean="0"/>
-              <a:t>2017-02-22</a:t>
+              <a:t>2017-06-05</a:t>
             </a:fld>
             <a:endParaRPr lang="sv-SE"/>
           </a:p>
@@ -3222,7 +3223,7 @@
           <a:p>
             <a:fld id="{5BB85EB5-6D2B-413D-89EE-6C045644250E}" type="datetimeFigureOut">
               <a:rPr lang="sv-SE" smtClean="0"/>
-              <a:t>2017-02-22</a:t>
+              <a:t>2017-06-05</a:t>
             </a:fld>
             <a:endParaRPr lang="sv-SE"/>
           </a:p>
@@ -3454,7 +3455,7 @@
           <a:p>
             <a:fld id="{5BB85EB5-6D2B-413D-89EE-6C045644250E}" type="datetimeFigureOut">
               <a:rPr lang="sv-SE" smtClean="0"/>
-              <a:t>2017-02-22</a:t>
+              <a:t>2017-06-05</a:t>
             </a:fld>
             <a:endParaRPr lang="sv-SE"/>
           </a:p>
@@ -3828,7 +3829,7 @@
           <a:p>
             <a:fld id="{5BB85EB5-6D2B-413D-89EE-6C045644250E}" type="datetimeFigureOut">
               <a:rPr lang="sv-SE" smtClean="0"/>
-              <a:t>2017-02-22</a:t>
+              <a:t>2017-06-05</a:t>
             </a:fld>
             <a:endParaRPr lang="sv-SE"/>
           </a:p>
@@ -3951,7 +3952,7 @@
           <a:p>
             <a:fld id="{5BB85EB5-6D2B-413D-89EE-6C045644250E}" type="datetimeFigureOut">
               <a:rPr lang="sv-SE" smtClean="0"/>
-              <a:t>2017-02-22</a:t>
+              <a:t>2017-06-05</a:t>
             </a:fld>
             <a:endParaRPr lang="sv-SE"/>
           </a:p>
@@ -4046,7 +4047,7 @@
           <a:p>
             <a:fld id="{5BB85EB5-6D2B-413D-89EE-6C045644250E}" type="datetimeFigureOut">
               <a:rPr lang="sv-SE" smtClean="0"/>
-              <a:t>2017-02-22</a:t>
+              <a:t>2017-06-05</a:t>
             </a:fld>
             <a:endParaRPr lang="sv-SE"/>
           </a:p>
@@ -4301,7 +4302,7 @@
           <a:p>
             <a:fld id="{5BB85EB5-6D2B-413D-89EE-6C045644250E}" type="datetimeFigureOut">
               <a:rPr lang="sv-SE" smtClean="0"/>
-              <a:t>2017-02-22</a:t>
+              <a:t>2017-06-05</a:t>
             </a:fld>
             <a:endParaRPr lang="sv-SE"/>
           </a:p>
@@ -4564,7 +4565,7 @@
           <a:p>
             <a:fld id="{5BB85EB5-6D2B-413D-89EE-6C045644250E}" type="datetimeFigureOut">
               <a:rPr lang="sv-SE" smtClean="0"/>
-              <a:t>2017-02-22</a:t>
+              <a:t>2017-06-05</a:t>
             </a:fld>
             <a:endParaRPr lang="sv-SE"/>
           </a:p>
@@ -5307,7 +5308,7 @@
           <a:p>
             <a:fld id="{5BB85EB5-6D2B-413D-89EE-6C045644250E}" type="datetimeFigureOut">
               <a:rPr lang="sv-SE" smtClean="0"/>
-              <a:t>2017-02-22</a:t>
+              <a:t>2017-06-05</a:t>
             </a:fld>
             <a:endParaRPr lang="sv-SE"/>
           </a:p>
@@ -6033,6 +6034,52 @@
           </a:p>
         </p:txBody>
       </p:sp>
+      <p:sp>
+        <p:nvSpPr>
+          <p:cNvPr id="8" name="Rounded Rectangle 7">
+            <a:hlinkClick r:id="rId6" action="ppaction://hlinksldjump"/>
+          </p:cNvPr>
+          <p:cNvSpPr/>
+          <p:nvPr/>
+        </p:nvSpPr>
+        <p:spPr>
+          <a:xfrm>
+            <a:off x="646112" y="3511082"/>
+            <a:ext cx="8709328" cy="700215"/>
+          </a:xfrm>
+          <a:prstGeom prst="roundRect">
+            <a:avLst/>
+          </a:prstGeom>
+        </p:spPr>
+        <p:style>
+          <a:lnRef idx="2">
+            <a:schemeClr val="accent1">
+              <a:shade val="50000"/>
+            </a:schemeClr>
+          </a:lnRef>
+          <a:fillRef idx="1">
+            <a:schemeClr val="accent1"/>
+          </a:fillRef>
+          <a:effectRef idx="0">
+            <a:schemeClr val="accent1"/>
+          </a:effectRef>
+          <a:fontRef idx="minor">
+            <a:schemeClr val="lt1"/>
+          </a:fontRef>
+        </p:style>
+        <p:txBody>
+          <a:bodyPr rtlCol="0" anchor="ctr"/>
+          <a:lstStyle/>
+          <a:p>
+            <a:pPr algn="ctr"/>
+            <a:r>
+              <a:rPr lang="sv-SE" dirty="0" smtClean="0"/>
+              <a:t>Uppspelning</a:t>
+            </a:r>
+            <a:endParaRPr lang="sv-SE" dirty="0"/>
+          </a:p>
+        </p:txBody>
+      </p:sp>
     </p:spTree>
     <p:extLst>
       <p:ext uri="{BB962C8B-B14F-4D97-AF65-F5344CB8AC3E}">
@@ -6838,6 +6885,249 @@
     <p:extLst>
       <p:ext uri="{BB962C8B-B14F-4D97-AF65-F5344CB8AC3E}">
         <p14:creationId xmlns:p14="http://schemas.microsoft.com/office/powerpoint/2010/main" val="3731748162"/>
+      </p:ext>
+    </p:extLst>
+  </p:cSld>
+  <p:clrMapOvr>
+    <a:masterClrMapping/>
+  </p:clrMapOvr>
+  <mc:AlternateContent xmlns:mc="http://schemas.openxmlformats.org/markup-compatibility/2006" xmlns:p14="http://schemas.microsoft.com/office/powerpoint/2010/main">
+    <mc:Choice Requires="p14">
+      <p:transition spd="slow" p14:dur="2000" advClick="0"/>
+    </mc:Choice>
+    <mc:Fallback xmlns="">
+      <p:transition spd="slow" advClick="0"/>
+    </mc:Fallback>
+  </mc:AlternateContent>
+  <p:timing>
+    <p:tnLst>
+      <p:par>
+        <p:cTn id="1" dur="indefinite" restart="never" nodeType="tmRoot"/>
+      </p:par>
+    </p:tnLst>
+  </p:timing>
+</p:sld>
+</file>
+
+<file path=ppt/slides/slide4.xml><?xml version="1.0" encoding="utf-8"?>
+<p:sld xmlns:a="http://schemas.openxmlformats.org/drawingml/2006/main" xmlns:r="http://schemas.openxmlformats.org/officeDocument/2006/relationships" xmlns:p="http://schemas.openxmlformats.org/presentationml/2006/main">
+  <p:cSld>
+    <p:spTree>
+      <p:nvGrpSpPr>
+        <p:cNvPr id="1" name=""/>
+        <p:cNvGrpSpPr/>
+        <p:nvPr/>
+      </p:nvGrpSpPr>
+      <p:grpSpPr>
+        <a:xfrm>
+          <a:off x="0" y="0"/>
+          <a:ext cx="0" cy="0"/>
+          <a:chOff x="0" y="0"/>
+          <a:chExt cx="0" cy="0"/>
+        </a:xfrm>
+      </p:grpSpPr>
+      <p:sp>
+        <p:nvSpPr>
+          <p:cNvPr id="6" name="Rectangle 5"/>
+          <p:cNvSpPr/>
+          <p:nvPr/>
+        </p:nvSpPr>
+        <p:spPr>
+          <a:xfrm>
+            <a:off x="1752727" y="1421910"/>
+            <a:ext cx="7277877" cy="4026537"/>
+          </a:xfrm>
+          <a:prstGeom prst="rect">
+            <a:avLst/>
+          </a:prstGeom>
+          <a:blipFill dpi="0" rotWithShape="1">
+            <a:blip r:embed="rId2">
+              <a:alphaModFix amt="42000"/>
+            </a:blip>
+            <a:srcRect/>
+            <a:stretch>
+              <a:fillRect/>
+            </a:stretch>
+          </a:blipFill>
+          <a:ln>
+            <a:noFill/>
+          </a:ln>
+        </p:spPr>
+        <p:style>
+          <a:lnRef idx="2">
+            <a:schemeClr val="accent1">
+              <a:shade val="50000"/>
+            </a:schemeClr>
+          </a:lnRef>
+          <a:fillRef idx="1">
+            <a:schemeClr val="accent1"/>
+          </a:fillRef>
+          <a:effectRef idx="0">
+            <a:schemeClr val="accent1"/>
+          </a:effectRef>
+          <a:fontRef idx="minor">
+            <a:schemeClr val="lt1"/>
+          </a:fontRef>
+        </p:style>
+        <p:txBody>
+          <a:bodyPr rtlCol="0" anchor="ctr"/>
+          <a:lstStyle/>
+          <a:p>
+            <a:pPr algn="ctr"/>
+            <a:endParaRPr lang="sv-SE"/>
+          </a:p>
+        </p:txBody>
+      </p:sp>
+      <p:sp>
+        <p:nvSpPr>
+          <p:cNvPr id="10" name="Right Arrow 9">
+            <a:hlinkClick r:id="rId3" action="ppaction://hlinksldjump"/>
+          </p:cNvPr>
+          <p:cNvSpPr/>
+          <p:nvPr/>
+        </p:nvSpPr>
+        <p:spPr>
+          <a:xfrm flipH="1">
+            <a:off x="646110" y="5776648"/>
+            <a:ext cx="939114" cy="683740"/>
+          </a:xfrm>
+          <a:prstGeom prst="rightArrow">
+            <a:avLst/>
+          </a:prstGeom>
+        </p:spPr>
+        <p:style>
+          <a:lnRef idx="2">
+            <a:schemeClr val="accent1">
+              <a:shade val="50000"/>
+            </a:schemeClr>
+          </a:lnRef>
+          <a:fillRef idx="1">
+            <a:schemeClr val="accent1"/>
+          </a:fillRef>
+          <a:effectRef idx="0">
+            <a:schemeClr val="accent1"/>
+          </a:effectRef>
+          <a:fontRef idx="minor">
+            <a:schemeClr val="lt1"/>
+          </a:fontRef>
+        </p:style>
+        <p:txBody>
+          <a:bodyPr rtlCol="0" anchor="ctr"/>
+          <a:lstStyle/>
+          <a:p>
+            <a:pPr algn="ctr"/>
+            <a:endParaRPr lang="sv-SE"/>
+          </a:p>
+        </p:txBody>
+      </p:sp>
+      <p:sp>
+        <p:nvSpPr>
+          <p:cNvPr id="11" name="Title 1"/>
+          <p:cNvSpPr>
+            <a:spLocks noGrp="1"/>
+          </p:cNvSpPr>
+          <p:nvPr>
+            <p:ph type="title"/>
+          </p:nvPr>
+        </p:nvSpPr>
+        <p:spPr>
+          <a:xfrm>
+            <a:off x="646111" y="255011"/>
+            <a:ext cx="9404723" cy="1400530"/>
+          </a:xfrm>
+        </p:spPr>
+        <p:txBody>
+          <a:bodyPr/>
+          <a:lstStyle/>
+          <a:p>
+            <a:r>
+              <a:rPr lang="sv-SE" b="1" dirty="0" smtClean="0"/>
+              <a:t>Uppspelning</a:t>
+            </a:r>
+            <a:endParaRPr lang="sv-SE" b="1" dirty="0"/>
+          </a:p>
+        </p:txBody>
+      </p:sp>
+      <p:sp>
+        <p:nvSpPr>
+          <p:cNvPr id="9" name="Rounded Rectangle 8">
+            <a:hlinkClick r:id="rId4" action="ppaction://hlinkfile"/>
+          </p:cNvPr>
+          <p:cNvSpPr/>
+          <p:nvPr/>
+        </p:nvSpPr>
+        <p:spPr>
+          <a:xfrm>
+            <a:off x="646110" y="1421910"/>
+            <a:ext cx="8709328" cy="700215"/>
+          </a:xfrm>
+          <a:prstGeom prst="roundRect">
+            <a:avLst/>
+          </a:prstGeom>
+        </p:spPr>
+        <p:style>
+          <a:lnRef idx="2">
+            <a:schemeClr val="accent1">
+              <a:shade val="50000"/>
+            </a:schemeClr>
+          </a:lnRef>
+          <a:fillRef idx="1">
+            <a:schemeClr val="accent1"/>
+          </a:fillRef>
+          <a:effectRef idx="0">
+            <a:schemeClr val="accent1"/>
+          </a:effectRef>
+          <a:fontRef idx="minor">
+            <a:schemeClr val="lt1"/>
+          </a:fontRef>
+        </p:style>
+        <p:txBody>
+          <a:bodyPr rtlCol="0" anchor="ctr"/>
+          <a:lstStyle/>
+          <a:p>
+            <a:pPr algn="ctr"/>
+            <a:r>
+              <a:rPr lang="sv-SE" dirty="0" smtClean="0"/>
+              <a:t>Start</a:t>
+            </a:r>
+            <a:endParaRPr lang="sv-SE" dirty="0"/>
+          </a:p>
+        </p:txBody>
+      </p:sp>
+      <p:pic>
+        <p:nvPicPr>
+          <p:cNvPr id="15" name="Picture 14"/>
+          <p:cNvPicPr>
+            <a:picLocks noChangeAspect="1"/>
+          </p:cNvPicPr>
+          <p:nvPr/>
+        </p:nvPicPr>
+        <p:blipFill>
+          <a:blip r:embed="rId5">
+            <a:extLst>
+              <a:ext uri="{28A0092B-C50C-407E-A947-70E740481C1C}">
+                <a14:useLocalDpi xmlns:a14="http://schemas.microsoft.com/office/drawing/2010/main" val="0"/>
+              </a:ext>
+            </a:extLst>
+          </a:blip>
+          <a:stretch>
+            <a:fillRect/>
+          </a:stretch>
+        </p:blipFill>
+        <p:spPr>
+          <a:xfrm>
+            <a:off x="10593859" y="143106"/>
+            <a:ext cx="2178285" cy="1089143"/>
+          </a:xfrm>
+          <a:prstGeom prst="rect">
+            <a:avLst/>
+          </a:prstGeom>
+        </p:spPr>
+      </p:pic>
+    </p:spTree>
+    <p:extLst>
+      <p:ext uri="{BB962C8B-B14F-4D97-AF65-F5344CB8AC3E}">
+        <p14:creationId xmlns:p14="http://schemas.microsoft.com/office/powerpoint/2010/main" val="585796967"/>
       </p:ext>
     </p:extLst>
   </p:cSld>

--- a/MasterChief.pptx
+++ b/MasterChief.pptx
@@ -6087,6 +6087,52 @@
           </a:p>
         </p:txBody>
       </p:sp>
+      <p:sp>
+        <p:nvSpPr>
+          <p:cNvPr id="9" name="Rounded Rectangle 8">
+            <a:hlinkClick r:id="rId7" action="ppaction://hlinkfile"/>
+          </p:cNvPr>
+          <p:cNvSpPr/>
+          <p:nvPr/>
+        </p:nvSpPr>
+        <p:spPr>
+          <a:xfrm>
+            <a:off x="646112" y="4548907"/>
+            <a:ext cx="8709328" cy="700215"/>
+          </a:xfrm>
+          <a:prstGeom prst="roundRect">
+            <a:avLst/>
+          </a:prstGeom>
+        </p:spPr>
+        <p:style>
+          <a:lnRef idx="2">
+            <a:schemeClr val="accent1">
+              <a:shade val="50000"/>
+            </a:schemeClr>
+          </a:lnRef>
+          <a:fillRef idx="1">
+            <a:schemeClr val="accent1"/>
+          </a:fillRef>
+          <a:effectRef idx="0">
+            <a:schemeClr val="accent1"/>
+          </a:effectRef>
+          <a:fontRef idx="minor">
+            <a:schemeClr val="lt1"/>
+          </a:fontRef>
+        </p:style>
+        <p:txBody>
+          <a:bodyPr rtlCol="0" anchor="ctr"/>
+          <a:lstStyle/>
+          <a:p>
+            <a:pPr algn="ctr"/>
+            <a:r>
+              <a:rPr lang="sv-SE" dirty="0" smtClean="0"/>
+              <a:t>Beräkna maximal accelerationsriktning</a:t>
+            </a:r>
+            <a:endParaRPr lang="sv-SE" dirty="0"/>
+          </a:p>
+        </p:txBody>
+      </p:sp>
     </p:spTree>
     <p:extLst>
       <p:ext uri="{BB962C8B-B14F-4D97-AF65-F5344CB8AC3E}">

--- a/MasterChief.pptx
+++ b/MasterChief.pptx
@@ -844,7 +844,7 @@
           <a:p>
             <a:fld id="{5BB85EB5-6D2B-413D-89EE-6C045644250E}" type="datetimeFigureOut">
               <a:rPr lang="sv-SE" smtClean="0"/>
-              <a:t>2017-06-08</a:t>
+              <a:t>2017-06-09</a:t>
             </a:fld>
             <a:endParaRPr lang="sv-SE"/>
           </a:p>
@@ -1095,7 +1095,7 @@
           <a:p>
             <a:fld id="{5BB85EB5-6D2B-413D-89EE-6C045644250E}" type="datetimeFigureOut">
               <a:rPr lang="sv-SE" smtClean="0"/>
-              <a:t>2017-06-08</a:t>
+              <a:t>2017-06-09</a:t>
             </a:fld>
             <a:endParaRPr lang="sv-SE"/>
           </a:p>
@@ -1409,7 +1409,7 @@
           <a:p>
             <a:fld id="{5BB85EB5-6D2B-413D-89EE-6C045644250E}" type="datetimeFigureOut">
               <a:rPr lang="sv-SE" smtClean="0"/>
-              <a:t>2017-06-08</a:t>
+              <a:t>2017-06-09</a:t>
             </a:fld>
             <a:endParaRPr lang="sv-SE"/>
           </a:p>
@@ -1750,7 +1750,7 @@
           <a:p>
             <a:fld id="{5BB85EB5-6D2B-413D-89EE-6C045644250E}" type="datetimeFigureOut">
               <a:rPr lang="sv-SE" smtClean="0"/>
-              <a:t>2017-06-08</a:t>
+              <a:t>2017-06-09</a:t>
             </a:fld>
             <a:endParaRPr lang="sv-SE"/>
           </a:p>
@@ -2064,7 +2064,7 @@
           <a:p>
             <a:fld id="{5BB85EB5-6D2B-413D-89EE-6C045644250E}" type="datetimeFigureOut">
               <a:rPr lang="sv-SE" smtClean="0"/>
-              <a:t>2017-06-08</a:t>
+              <a:t>2017-06-09</a:t>
             </a:fld>
             <a:endParaRPr lang="sv-SE"/>
           </a:p>
@@ -2457,7 +2457,7 @@
           <a:p>
             <a:fld id="{5BB85EB5-6D2B-413D-89EE-6C045644250E}" type="datetimeFigureOut">
               <a:rPr lang="sv-SE" smtClean="0"/>
-              <a:t>2017-06-08</a:t>
+              <a:t>2017-06-09</a:t>
             </a:fld>
             <a:endParaRPr lang="sv-SE"/>
           </a:p>
@@ -2627,7 +2627,7 @@
           <a:p>
             <a:fld id="{5BB85EB5-6D2B-413D-89EE-6C045644250E}" type="datetimeFigureOut">
               <a:rPr lang="sv-SE" smtClean="0"/>
-              <a:t>2017-06-08</a:t>
+              <a:t>2017-06-09</a:t>
             </a:fld>
             <a:endParaRPr lang="sv-SE"/>
           </a:p>
@@ -2807,7 +2807,7 @@
           <a:p>
             <a:fld id="{5BB85EB5-6D2B-413D-89EE-6C045644250E}" type="datetimeFigureOut">
               <a:rPr lang="sv-SE" smtClean="0"/>
-              <a:t>2017-06-08</a:t>
+              <a:t>2017-06-09</a:t>
             </a:fld>
             <a:endParaRPr lang="sv-SE"/>
           </a:p>
@@ -2983,7 +2983,7 @@
           <a:p>
             <a:fld id="{5BB85EB5-6D2B-413D-89EE-6C045644250E}" type="datetimeFigureOut">
               <a:rPr lang="sv-SE" smtClean="0"/>
-              <a:t>2017-06-08</a:t>
+              <a:t>2017-06-09</a:t>
             </a:fld>
             <a:endParaRPr lang="sv-SE"/>
           </a:p>
@@ -3230,7 +3230,7 @@
           <a:p>
             <a:fld id="{5BB85EB5-6D2B-413D-89EE-6C045644250E}" type="datetimeFigureOut">
               <a:rPr lang="sv-SE" smtClean="0"/>
-              <a:t>2017-06-08</a:t>
+              <a:t>2017-06-09</a:t>
             </a:fld>
             <a:endParaRPr lang="sv-SE"/>
           </a:p>
@@ -3462,7 +3462,7 @@
           <a:p>
             <a:fld id="{5BB85EB5-6D2B-413D-89EE-6C045644250E}" type="datetimeFigureOut">
               <a:rPr lang="sv-SE" smtClean="0"/>
-              <a:t>2017-06-08</a:t>
+              <a:t>2017-06-09</a:t>
             </a:fld>
             <a:endParaRPr lang="sv-SE"/>
           </a:p>
@@ -3836,7 +3836,7 @@
           <a:p>
             <a:fld id="{5BB85EB5-6D2B-413D-89EE-6C045644250E}" type="datetimeFigureOut">
               <a:rPr lang="sv-SE" smtClean="0"/>
-              <a:t>2017-06-08</a:t>
+              <a:t>2017-06-09</a:t>
             </a:fld>
             <a:endParaRPr lang="sv-SE"/>
           </a:p>
@@ -3959,7 +3959,7 @@
           <a:p>
             <a:fld id="{5BB85EB5-6D2B-413D-89EE-6C045644250E}" type="datetimeFigureOut">
               <a:rPr lang="sv-SE" smtClean="0"/>
-              <a:t>2017-06-08</a:t>
+              <a:t>2017-06-09</a:t>
             </a:fld>
             <a:endParaRPr lang="sv-SE"/>
           </a:p>
@@ -4054,7 +4054,7 @@
           <a:p>
             <a:fld id="{5BB85EB5-6D2B-413D-89EE-6C045644250E}" type="datetimeFigureOut">
               <a:rPr lang="sv-SE" smtClean="0"/>
-              <a:t>2017-06-08</a:t>
+              <a:t>2017-06-09</a:t>
             </a:fld>
             <a:endParaRPr lang="sv-SE"/>
           </a:p>
@@ -4309,7 +4309,7 @@
           <a:p>
             <a:fld id="{5BB85EB5-6D2B-413D-89EE-6C045644250E}" type="datetimeFigureOut">
               <a:rPr lang="sv-SE" smtClean="0"/>
-              <a:t>2017-06-08</a:t>
+              <a:t>2017-06-09</a:t>
             </a:fld>
             <a:endParaRPr lang="sv-SE"/>
           </a:p>
@@ -4572,7 +4572,7 @@
           <a:p>
             <a:fld id="{5BB85EB5-6D2B-413D-89EE-6C045644250E}" type="datetimeFigureOut">
               <a:rPr lang="sv-SE" smtClean="0"/>
-              <a:t>2017-06-08</a:t>
+              <a:t>2017-06-09</a:t>
             </a:fld>
             <a:endParaRPr lang="sv-SE"/>
           </a:p>
@@ -5315,7 +5315,7 @@
           <a:p>
             <a:fld id="{5BB85EB5-6D2B-413D-89EE-6C045644250E}" type="datetimeFigureOut">
               <a:rPr lang="sv-SE" smtClean="0"/>
-              <a:t>2017-06-08</a:t>
+              <a:t>2017-06-09</a:t>
             </a:fld>
             <a:endParaRPr lang="sv-SE"/>
           </a:p>
@@ -8644,7 +8644,7 @@
         <p:spPr>
           <a:xfrm>
             <a:off x="724449" y="1055376"/>
-            <a:ext cx="9248045" cy="1200329"/>
+            <a:ext cx="9248045" cy="1477328"/>
           </a:xfrm>
           <a:prstGeom prst="rect">
             <a:avLst/>
@@ -8689,7 +8689,20 @@
             </a:pPr>
             <a:r>
               <a:rPr lang="sv-SE" dirty="0" smtClean="0"/>
-              <a:t>Sätt volymen på datorn till  ~95</a:t>
+              <a:t>Sätt volymen på datorn till  ~</a:t>
+            </a:r>
+            <a:r>
+              <a:rPr lang="sv-SE" dirty="0" smtClean="0"/>
+              <a:t>95</a:t>
+            </a:r>
+          </a:p>
+          <a:p>
+            <a:pPr marL="342900" indent="-342900">
+              <a:buAutoNum type="arabicPeriod"/>
+            </a:pPr>
+            <a:r>
+              <a:rPr lang="sv-SE" smtClean="0"/>
+              <a:t>VIKTIGT: Skrolla signalerna så att de ligger i mitten på skärmen på oscilloskopet</a:t>
             </a:r>
             <a:endParaRPr lang="sv-SE" dirty="0"/>
           </a:p>
